--- a/Civilworks cost/Expenditure Preparations/SPEC_24_11_2020/Follow UP on JICA Meeting and Actions Required To be Taken with test.pptx
+++ b/Civilworks cost/Expenditure Preparations/SPEC_24_11_2020/Follow UP on JICA Meeting and Actions Required To be Taken with test.pptx
@@ -794,7 +794,7 @@
           <a:p>
             <a:fld id="{094D706F-24D0-4272-ACA1-F6C86E395C60}" type="datetimeFigureOut">
               <a:rPr lang="en-US" smtClean="0"/>
-              <a:t>11/24/2020</a:t>
+              <a:t>11/26/2020</a:t>
             </a:fld>
             <a:endParaRPr lang="en-US"/>
           </a:p>
@@ -1445,7 +1445,7 @@
           <a:p>
             <a:fld id="{98B89941-8863-4190-945A-47CAE70C058B}" type="datetimeFigureOut">
               <a:rPr lang="en-US" smtClean="0"/>
-              <a:t>11/24/2020</a:t>
+              <a:t>11/26/2020</a:t>
             </a:fld>
             <a:endParaRPr lang="en-US"/>
           </a:p>
@@ -1615,7 +1615,7 @@
           <a:p>
             <a:fld id="{98B89941-8863-4190-945A-47CAE70C058B}" type="datetimeFigureOut">
               <a:rPr lang="en-US" smtClean="0"/>
-              <a:t>11/24/2020</a:t>
+              <a:t>11/26/2020</a:t>
             </a:fld>
             <a:endParaRPr lang="en-US"/>
           </a:p>
@@ -1795,7 +1795,7 @@
           <a:p>
             <a:fld id="{98B89941-8863-4190-945A-47CAE70C058B}" type="datetimeFigureOut">
               <a:rPr lang="en-US" smtClean="0"/>
-              <a:t>11/24/2020</a:t>
+              <a:t>11/26/2020</a:t>
             </a:fld>
             <a:endParaRPr lang="en-US"/>
           </a:p>
@@ -1965,7 +1965,7 @@
           <a:p>
             <a:fld id="{98B89941-8863-4190-945A-47CAE70C058B}" type="datetimeFigureOut">
               <a:rPr lang="en-US" smtClean="0"/>
-              <a:t>11/24/2020</a:t>
+              <a:t>11/26/2020</a:t>
             </a:fld>
             <a:endParaRPr lang="en-US"/>
           </a:p>
@@ -2211,7 +2211,7 @@
           <a:p>
             <a:fld id="{98B89941-8863-4190-945A-47CAE70C058B}" type="datetimeFigureOut">
               <a:rPr lang="en-US" smtClean="0"/>
-              <a:t>11/24/2020</a:t>
+              <a:t>11/26/2020</a:t>
             </a:fld>
             <a:endParaRPr lang="en-US"/>
           </a:p>
@@ -2443,7 +2443,7 @@
           <a:p>
             <a:fld id="{98B89941-8863-4190-945A-47CAE70C058B}" type="datetimeFigureOut">
               <a:rPr lang="en-US" smtClean="0"/>
-              <a:t>11/24/2020</a:t>
+              <a:t>11/26/2020</a:t>
             </a:fld>
             <a:endParaRPr lang="en-US"/>
           </a:p>
@@ -2810,7 +2810,7 @@
           <a:p>
             <a:fld id="{98B89941-8863-4190-945A-47CAE70C058B}" type="datetimeFigureOut">
               <a:rPr lang="en-US" smtClean="0"/>
-              <a:t>11/24/2020</a:t>
+              <a:t>11/26/2020</a:t>
             </a:fld>
             <a:endParaRPr lang="en-US"/>
           </a:p>
@@ -2928,7 +2928,7 @@
           <a:p>
             <a:fld id="{98B89941-8863-4190-945A-47CAE70C058B}" type="datetimeFigureOut">
               <a:rPr lang="en-US" smtClean="0"/>
-              <a:t>11/24/2020</a:t>
+              <a:t>11/26/2020</a:t>
             </a:fld>
             <a:endParaRPr lang="en-US"/>
           </a:p>
@@ -3023,7 +3023,7 @@
           <a:p>
             <a:fld id="{98B89941-8863-4190-945A-47CAE70C058B}" type="datetimeFigureOut">
               <a:rPr lang="en-US" smtClean="0"/>
-              <a:t>11/24/2020</a:t>
+              <a:t>11/26/2020</a:t>
             </a:fld>
             <a:endParaRPr lang="en-US"/>
           </a:p>
@@ -3300,7 +3300,7 @@
           <a:p>
             <a:fld id="{98B89941-8863-4190-945A-47CAE70C058B}" type="datetimeFigureOut">
               <a:rPr lang="en-US" smtClean="0"/>
-              <a:t>11/24/2020</a:t>
+              <a:t>11/26/2020</a:t>
             </a:fld>
             <a:endParaRPr lang="en-US"/>
           </a:p>
@@ -3553,7 +3553,7 @@
           <a:p>
             <a:fld id="{98B89941-8863-4190-945A-47CAE70C058B}" type="datetimeFigureOut">
               <a:rPr lang="en-US" smtClean="0"/>
-              <a:t>11/24/2020</a:t>
+              <a:t>11/26/2020</a:t>
             </a:fld>
             <a:endParaRPr lang="en-US"/>
           </a:p>
@@ -3773,7 +3773,7 @@
           <a:p>
             <a:fld id="{98B89941-8863-4190-945A-47CAE70C058B}" type="datetimeFigureOut">
               <a:rPr lang="en-US" smtClean="0"/>
-              <a:t>11/24/2020</a:t>
+              <a:t>11/26/2020</a:t>
             </a:fld>
             <a:endParaRPr lang="en-US"/>
           </a:p>
@@ -4995,7 +4995,7 @@
           <a:graphicData uri="http://schemas.openxmlformats.org/presentationml/2006/ole">
             <mc:AlternateContent xmlns:mc="http://schemas.openxmlformats.org/markup-compatibility/2006">
               <mc:Choice xmlns:v="urn:schemas-microsoft-com:vml" Requires="v">
-                <p:oleObj spid="_x0000_s1072" name="PDF" r:id="rId3" imgW="0" imgH="360" progId="FoxitPhantomPDF.Document">
+                <p:oleObj spid="_x0000_s1074" name="PDF" r:id="rId3" imgW="0" imgH="360" progId="FoxitPhantomPDF.Document">
                   <p:embed/>
                 </p:oleObj>
               </mc:Choice>
@@ -6909,7 +6909,7 @@
           <a:graphicData uri="http://schemas.openxmlformats.org/presentationml/2006/ole">
             <mc:AlternateContent xmlns:mc="http://schemas.openxmlformats.org/markup-compatibility/2006">
               <mc:Choice xmlns:v="urn:schemas-microsoft-com:vml" Requires="v">
-                <p:oleObj spid="_x0000_s2094" name="PDF" r:id="rId3" imgW="0" imgH="360" progId="FoxitPhantomPDF.Document">
+                <p:oleObj spid="_x0000_s2096" name="PDF" r:id="rId3" imgW="0" imgH="360" progId="FoxitPhantomPDF.Document">
                   <p:embed/>
                 </p:oleObj>
               </mc:Choice>
@@ -7182,7 +7182,7 @@
           <a:graphicData uri="http://schemas.openxmlformats.org/presentationml/2006/ole">
             <mc:AlternateContent xmlns:mc="http://schemas.openxmlformats.org/markup-compatibility/2006">
               <mc:Choice xmlns:v="urn:schemas-microsoft-com:vml" Requires="v">
-                <p:oleObj spid="_x0000_s3118" name="PDF" r:id="rId3" imgW="0" imgH="360" progId="FoxitPhantomPDF.Document">
+                <p:oleObj spid="_x0000_s3120" name="PDF" r:id="rId3" imgW="0" imgH="360" progId="FoxitPhantomPDF.Document">
                   <p:embed/>
                 </p:oleObj>
               </mc:Choice>
@@ -7519,7 +7519,7 @@
           <a:graphicData uri="http://schemas.openxmlformats.org/presentationml/2006/ole">
             <mc:AlternateContent xmlns:mc="http://schemas.openxmlformats.org/markup-compatibility/2006">
               <mc:Choice xmlns:v="urn:schemas-microsoft-com:vml" Requires="v">
-                <p:oleObj spid="_x0000_s4141" name="PDF" r:id="rId3" imgW="0" imgH="360" progId="FoxitPhantomPDF.Document">
+                <p:oleObj spid="_x0000_s4143" name="PDF" r:id="rId3" imgW="0" imgH="360" progId="FoxitPhantomPDF.Document">
                   <p:embed/>
                 </p:oleObj>
               </mc:Choice>
@@ -8006,7 +8006,7 @@
           <a:graphicData uri="http://schemas.openxmlformats.org/presentationml/2006/ole">
             <mc:AlternateContent xmlns:mc="http://schemas.openxmlformats.org/markup-compatibility/2006">
               <mc:Choice xmlns:v="urn:schemas-microsoft-com:vml" Requires="v">
-                <p:oleObj spid="_x0000_s5164" name="PDF" r:id="rId3" imgW="0" imgH="360" progId="FoxitPhantomPDF.Document">
+                <p:oleObj spid="_x0000_s5166" name="PDF" r:id="rId3" imgW="0" imgH="360" progId="FoxitPhantomPDF.Document">
                   <p:embed/>
                 </p:oleObj>
               </mc:Choice>
@@ -8323,7 +8323,7 @@
           <a:graphicData uri="http://schemas.openxmlformats.org/presentationml/2006/ole">
             <mc:AlternateContent xmlns:mc="http://schemas.openxmlformats.org/markup-compatibility/2006">
               <mc:Choice xmlns:v="urn:schemas-microsoft-com:vml" Requires="v">
-                <p:oleObj spid="_x0000_s6188" name="PDF" r:id="rId3" imgW="0" imgH="360" progId="FoxitPhantomPDF.Document">
+                <p:oleObj spid="_x0000_s6190" name="PDF" r:id="rId3" imgW="0" imgH="360" progId="FoxitPhantomPDF.Document">
                   <p:embed/>
                 </p:oleObj>
               </mc:Choice>
@@ -8641,7 +8641,7 @@
           <a:graphicData uri="http://schemas.openxmlformats.org/presentationml/2006/ole">
             <mc:AlternateContent xmlns:mc="http://schemas.openxmlformats.org/markup-compatibility/2006">
               <mc:Choice xmlns:v="urn:schemas-microsoft-com:vml" Requires="v">
-                <p:oleObj spid="_x0000_s7212" name="PDF" r:id="rId3" imgW="0" imgH="360" progId="FoxitPhantomPDF.Document">
+                <p:oleObj spid="_x0000_s7214" name="PDF" r:id="rId3" imgW="0" imgH="360" progId="FoxitPhantomPDF.Document">
                   <p:embed/>
                 </p:oleObj>
               </mc:Choice>
@@ -8959,7 +8959,7 @@
           <a:graphicData uri="http://schemas.openxmlformats.org/presentationml/2006/ole">
             <mc:AlternateContent xmlns:mc="http://schemas.openxmlformats.org/markup-compatibility/2006">
               <mc:Choice xmlns:v="urn:schemas-microsoft-com:vml" Requires="v">
-                <p:oleObj spid="_x0000_s8235" name="PDF" r:id="rId3" imgW="0" imgH="360" progId="FoxitPhantomPDF.Document">
+                <p:oleObj spid="_x0000_s8237" name="PDF" r:id="rId3" imgW="0" imgH="360" progId="FoxitPhantomPDF.Document">
                   <p:embed/>
                 </p:oleObj>
               </mc:Choice>
@@ -17465,7 +17465,7 @@
           <p:nvPr>
             <p:extLst>
               <p:ext uri="{D42A27DB-BD31-4B8C-83A1-F6EECF244321}">
-                <p14:modId xmlns:p14="http://schemas.microsoft.com/office/powerpoint/2010/main" val="575579717"/>
+                <p14:modId xmlns:p14="http://schemas.microsoft.com/office/powerpoint/2010/main" val="3078904119"/>
               </p:ext>
             </p:extLst>
           </p:nvPr>
@@ -17927,10 +17927,16 @@
                         </a:tabLst>
                       </a:pPr>
                       <a:r>
+                        <a:rPr lang="en-US" sz="1600" b="1" u="none" strike="noStrike" spc="140" dirty="0" smtClean="0">
+                          <a:effectLst/>
+                        </a:rPr>
+                        <a:t> Minimum </a:t>
+                      </a:r>
+                      <a:r>
                         <a:rPr lang="en-US" sz="1600" b="1" u="none" strike="noStrike" spc="140" dirty="0">
                           <a:effectLst/>
                         </a:rPr>
-                        <a:t>Minimum thickness</a:t>
+                        <a:t>thickness</a:t>
                       </a:r>
                       <a:endParaRPr lang="en-US" sz="1600" b="1" u="none" strike="noStrike" spc="140" dirty="0">
                         <a:effectLst/>
@@ -19133,7 +19139,7 @@
           <p:nvPr>
             <p:extLst>
               <p:ext uri="{D42A27DB-BD31-4B8C-83A1-F6EECF244321}">
-                <p14:modId xmlns:p14="http://schemas.microsoft.com/office/powerpoint/2010/main" val="575579717"/>
+                <p14:modId xmlns:p14="http://schemas.microsoft.com/office/powerpoint/2010/main" val="586556127"/>
               </p:ext>
             </p:extLst>
           </p:nvPr>
@@ -20114,15 +20120,15 @@
                     <a:bodyPr/>
                     <a:lstStyle/>
                     <a:p>
-                      <a:pPr marL="342900" marR="0" lvl="0" indent="-342900" fontAlgn="base">
+                      <a:pPr marL="55245" marR="0" lvl="0" indent="-342900" algn="l" defTabSz="914400" rtl="0" eaLnBrk="1" fontAlgn="base" latinLnBrk="0" hangingPunct="1">
                         <a:lnSpc>
-                          <a:spcPct val="110000"/>
+                          <a:spcPct val="107000"/>
                         </a:lnSpc>
                         <a:spcBef>
                           <a:spcPts val="0"/>
                         </a:spcBef>
                         <a:spcAft>
-                          <a:spcPts val="0"/>
+                          <a:spcPts val="800"/>
                         </a:spcAft>
                         <a:buClr>
                           <a:srgbClr val="000000"/>
@@ -20135,52 +20141,40 @@
                         </a:tabLst>
                       </a:pPr>
                       <a:r>
-                        <a:rPr lang="en-US" sz="1600" b="1" u="none" strike="noStrike" spc="140" dirty="0">
-                          <a:effectLst/>
-                        </a:rPr>
-                        <a:t>Vertical Permeability under	2Kn/m</a:t>
-                      </a:r>
-                      <a:r>
-                        <a:rPr lang="en-US" sz="1600" b="1" u="none" strike="noStrike" spc="140" baseline="30000" dirty="0">
-                          <a:effectLst/>
-                        </a:rPr>
-                        <a:t>2</a:t>
-                      </a:r>
-                      <a:r>
-                        <a:rPr lang="en-US" sz="1600" b="1" u="none" strike="noStrike" spc="140" dirty="0">
-                          <a:effectLst/>
-                        </a:rPr>
-                        <a:t> &amp; </a:t>
+                        <a:rPr lang="en-US" sz="1600" b="1" kern="1200" spc="-20" dirty="0">
+                          <a:solidFill>
+                            <a:schemeClr val="dk1"/>
+                          </a:solidFill>
+                          <a:effectLst/>
+                          <a:latin typeface="+mn-lt"/>
+                          <a:ea typeface="+mn-ea"/>
+                          <a:cs typeface="+mn-cs"/>
+                        </a:rPr>
+                        <a:t>Vertical Permeability under	2Kn/m2 &amp; </a:t>
                       </a:r>
                       <a:br>
-                        <a:rPr lang="en-US" sz="1600" b="1" u="none" strike="noStrike" spc="140" dirty="0">
-                          <a:effectLst/>
+                        <a:rPr lang="en-US" sz="1600" b="1" kern="1200" spc="-20" dirty="0">
+                          <a:solidFill>
+                            <a:schemeClr val="dk1"/>
+                          </a:solidFill>
+                          <a:effectLst/>
+                          <a:latin typeface="+mn-lt"/>
+                          <a:ea typeface="+mn-ea"/>
+                          <a:cs typeface="+mn-cs"/>
                         </a:rPr>
                       </a:br>
                       <a:r>
-                        <a:rPr lang="en-US" sz="1600" b="1" u="none" strike="noStrike" spc="140" dirty="0">
-                          <a:effectLst/>
-                        </a:rPr>
-                        <a:t>200Kn/m</a:t>
-                      </a:r>
-                      <a:r>
-                        <a:rPr lang="en-US" sz="1600" b="1" u="none" strike="noStrike" spc="140" baseline="30000" dirty="0">
-                          <a:effectLst/>
-                        </a:rPr>
-                        <a:t>2</a:t>
-                      </a:r>
-                      <a:r>
-                        <a:rPr lang="en-US" sz="1600" b="1" u="none" strike="noStrike" spc="140" dirty="0">
-                          <a:effectLst/>
-                        </a:rPr>
-                        <a:t> pressure</a:t>
-                      </a:r>
-                      <a:endParaRPr lang="en-US" sz="1600" b="1" u="none" strike="noStrike" spc="140" dirty="0">
-                        <a:effectLst/>
-                        <a:latin typeface="Times New Roman" panose="02020603050405020304" pitchFamily="18" charset="0"/>
-                        <a:ea typeface="Calibri" panose="020F0502020204030204" pitchFamily="34" charset="0"/>
-                        <a:cs typeface="Times New Roman" panose="02020603050405020304" pitchFamily="18" charset="0"/>
-                      </a:endParaRPr>
+                        <a:rPr lang="en-US" sz="1600" b="1" kern="1200" spc="-20" dirty="0">
+                          <a:solidFill>
+                            <a:schemeClr val="dk1"/>
+                          </a:solidFill>
+                          <a:effectLst/>
+                          <a:latin typeface="+mn-lt"/>
+                          <a:ea typeface="+mn-ea"/>
+                          <a:cs typeface="+mn-cs"/>
+                        </a:rPr>
+                        <a:t>200Kn/m2 pressure</a:t>
+                      </a:r>
                     </a:p>
                   </a:txBody>
                   <a:tcPr marL="0" marR="0" marT="0" marB="0">
@@ -23716,7 +23710,7 @@
           <p:nvPr>
             <p:extLst>
               <p:ext uri="{D42A27DB-BD31-4B8C-83A1-F6EECF244321}">
-                <p14:modId xmlns:p14="http://schemas.microsoft.com/office/powerpoint/2010/main" val="1176193103"/>
+                <p14:modId xmlns:p14="http://schemas.microsoft.com/office/powerpoint/2010/main" val="1264671312"/>
               </p:ext>
             </p:extLst>
           </p:nvPr>
@@ -25022,7 +25016,7 @@
                           </a:solidFill>
                           <a:effectLst/>
                         </a:rPr>
-                        <a:t>71</a:t>
+                        <a:t>18</a:t>
                       </a:r>
                       <a:endParaRPr lang="en-US" sz="1400" dirty="0">
                         <a:solidFill>
@@ -25656,7 +25650,7 @@
                         </a:spcAft>
                       </a:pPr>
                       <a:r>
-                        <a:rPr lang="en-US" sz="1400">
+                        <a:rPr lang="en-US" sz="1400" dirty="0">
                           <a:solidFill>
                             <a:schemeClr val="tx1"/>
                           </a:solidFill>
@@ -25664,7 +25658,7 @@
                         </a:rPr>
                         <a:t>Fineness Test</a:t>
                       </a:r>
-                      <a:endParaRPr lang="en-US" sz="1400">
+                      <a:endParaRPr lang="en-US" sz="1400" dirty="0">
                         <a:solidFill>
                           <a:schemeClr val="tx1"/>
                         </a:solidFill>
@@ -26236,7 +26230,7 @@
                     <a:bodyPr/>
                     <a:lstStyle/>
                     <a:p>
-                      <a:pPr marL="0" marR="0">
+                      <a:pPr marL="0" marR="0" lvl="0" algn="l" defTabSz="914400" rtl="0" eaLnBrk="1" latinLnBrk="0" hangingPunct="1">
                         <a:lnSpc>
                           <a:spcPct val="107000"/>
                         </a:lnSpc>
@@ -26248,22 +26242,25 @@
                         </a:spcAft>
                       </a:pPr>
                       <a:r>
-                        <a:rPr lang="en-US" sz="1400">
+                        <a:rPr lang="en-US" sz="1400" kern="1200" dirty="0" smtClean="0">
                           <a:solidFill>
                             <a:schemeClr val="tx1"/>
                           </a:solidFill>
                           <a:effectLst/>
-                        </a:rPr>
-                        <a:t>soundness Test</a:t>
-                      </a:r>
-                      <a:endParaRPr lang="en-US" sz="1400">
+                          <a:latin typeface="+mn-lt"/>
+                          <a:ea typeface="+mn-ea"/>
+                          <a:cs typeface="+mn-cs"/>
+                        </a:rPr>
+                        <a:t>Compressive Strength</a:t>
+                      </a:r>
+                      <a:endParaRPr lang="en-US" sz="1400" kern="1200" dirty="0">
                         <a:solidFill>
                           <a:schemeClr val="tx1"/>
                         </a:solidFill>
                         <a:effectLst/>
-                        <a:latin typeface="Calibri" panose="020F0502020204030204" pitchFamily="34" charset="0"/>
-                        <a:ea typeface="Calibri" panose="020F0502020204030204" pitchFamily="34" charset="0"/>
-                        <a:cs typeface="Vrinda"/>
+                        <a:latin typeface="+mn-lt"/>
+                        <a:ea typeface="+mn-ea"/>
+                        <a:cs typeface="+mn-cs"/>
                       </a:endParaRPr>
                     </a:p>
                   </a:txBody>
@@ -26840,7 +26837,7 @@
                         </a:spcAft>
                       </a:pPr>
                       <a:r>
-                        <a:rPr lang="en-US" sz="1400">
+                        <a:rPr lang="en-US" sz="1400" dirty="0">
                           <a:solidFill>
                             <a:schemeClr val="tx1"/>
                           </a:solidFill>
@@ -26848,7 +26845,7 @@
                         </a:rPr>
                         <a:t>Setting Time</a:t>
                       </a:r>
-                      <a:endParaRPr lang="en-US" sz="1400">
+                      <a:endParaRPr lang="en-US" sz="1400" dirty="0">
                         <a:solidFill>
                           <a:schemeClr val="tx1"/>
                         </a:solidFill>
@@ -27645,7 +27642,7 @@
                         </a:spcAft>
                       </a:pPr>
                       <a:r>
-                        <a:rPr lang="en-US" sz="1400">
+                        <a:rPr lang="en-US" sz="1400" dirty="0">
                           <a:solidFill>
                             <a:schemeClr val="tx1"/>
                           </a:solidFill>
@@ -27653,7 +27650,7 @@
                         </a:rPr>
                         <a:t>Fineness Modulus</a:t>
                       </a:r>
-                      <a:endParaRPr lang="en-US" sz="1400">
+                      <a:endParaRPr lang="en-US" sz="1400" dirty="0">
                         <a:solidFill>
                           <a:schemeClr val="tx1"/>
                         </a:solidFill>
@@ -28693,7 +28690,7 @@
                         </a:spcAft>
                       </a:pPr>
                       <a:r>
-                        <a:rPr lang="en-US" sz="1400">
+                        <a:rPr lang="en-US" sz="1400" dirty="0">
                           <a:solidFill>
                             <a:schemeClr val="tx1"/>
                           </a:solidFill>
@@ -28701,7 +28698,7 @@
                         </a:rPr>
                         <a:t> </a:t>
                       </a:r>
-                      <a:endParaRPr lang="en-US" sz="1400">
+                      <a:endParaRPr lang="en-US" sz="1400" dirty="0">
                         <a:solidFill>
                           <a:schemeClr val="tx1"/>
                         </a:solidFill>
@@ -34009,7 +34006,7 @@
           <p:nvPr>
             <p:extLst>
               <p:ext uri="{D42A27DB-BD31-4B8C-83A1-F6EECF244321}">
-                <p14:modId xmlns:p14="http://schemas.microsoft.com/office/powerpoint/2010/main" val="449711256"/>
+                <p14:modId xmlns:p14="http://schemas.microsoft.com/office/powerpoint/2010/main" val="2210086077"/>
               </p:ext>
             </p:extLst>
           </p:nvPr>
@@ -37420,7 +37417,7 @@
                         </a:spcAft>
                       </a:pPr>
                       <a:r>
-                        <a:rPr lang="en-US" sz="1400" b="1" kern="1200">
+                        <a:rPr lang="en-US" sz="1400" b="1" kern="1200" dirty="0" smtClean="0">
                           <a:solidFill>
                             <a:schemeClr val="tx1"/>
                           </a:solidFill>
@@ -37429,7 +37426,19 @@
                           <a:ea typeface="+mn-ea"/>
                           <a:cs typeface="+mn-cs"/>
                         </a:rPr>
-                        <a:t>Dry Density </a:t>
+                        <a:t>Field Dry </a:t>
+                      </a:r>
+                      <a:r>
+                        <a:rPr lang="en-US" sz="1400" b="1" kern="1200" dirty="0">
+                          <a:solidFill>
+                            <a:schemeClr val="tx1"/>
+                          </a:solidFill>
+                          <a:effectLst/>
+                          <a:latin typeface="+mn-lt"/>
+                          <a:ea typeface="+mn-ea"/>
+                          <a:cs typeface="+mn-cs"/>
+                        </a:rPr>
+                        <a:t>Density </a:t>
                       </a:r>
                     </a:p>
                   </a:txBody>
@@ -37617,7 +37626,7 @@
                           <a:ea typeface="+mn-ea"/>
                           <a:cs typeface="+mn-cs"/>
                         </a:rPr>
-                        <a:t>138</a:t>
+                        <a:t>38</a:t>
                       </a:r>
                       <a:endParaRPr lang="en-US" sz="1400" b="1" kern="1200" dirty="0">
                         <a:solidFill>
